--- a/assets/ZooKill Soccer Game Design Document.pptx
+++ b/assets/ZooKill Soccer Game Design Document.pptx
@@ -311,7 +311,7 @@
           <a:p>
             <a:fld id="{14C9F191-5DFD-4C62-B838-AC695C885212}" type="datetimeFigureOut">
               <a:rPr lang="en-US" smtClean="0"/>
-              <a:t>11/15/16</a:t>
+              <a:t>11/22/16</a:t>
             </a:fld>
             <a:endParaRPr lang="en-US"/>
           </a:p>
@@ -481,7 +481,7 @@
           <a:p>
             <a:fld id="{14C9F191-5DFD-4C62-B838-AC695C885212}" type="datetimeFigureOut">
               <a:rPr lang="en-US" smtClean="0"/>
-              <a:t>11/15/16</a:t>
+              <a:t>11/22/16</a:t>
             </a:fld>
             <a:endParaRPr lang="en-US"/>
           </a:p>
@@ -661,7 +661,7 @@
           <a:p>
             <a:fld id="{14C9F191-5DFD-4C62-B838-AC695C885212}" type="datetimeFigureOut">
               <a:rPr lang="en-US" smtClean="0"/>
-              <a:t>11/15/16</a:t>
+              <a:t>11/22/16</a:t>
             </a:fld>
             <a:endParaRPr lang="en-US"/>
           </a:p>
@@ -831,7 +831,7 @@
           <a:p>
             <a:fld id="{14C9F191-5DFD-4C62-B838-AC695C885212}" type="datetimeFigureOut">
               <a:rPr lang="en-US" smtClean="0"/>
-              <a:t>11/15/16</a:t>
+              <a:t>11/22/16</a:t>
             </a:fld>
             <a:endParaRPr lang="en-US"/>
           </a:p>
@@ -1077,7 +1077,7 @@
           <a:p>
             <a:fld id="{14C9F191-5DFD-4C62-B838-AC695C885212}" type="datetimeFigureOut">
               <a:rPr lang="en-US" smtClean="0"/>
-              <a:t>11/15/16</a:t>
+              <a:t>11/22/16</a:t>
             </a:fld>
             <a:endParaRPr lang="en-US"/>
           </a:p>
@@ -1365,7 +1365,7 @@
           <a:p>
             <a:fld id="{14C9F191-5DFD-4C62-B838-AC695C885212}" type="datetimeFigureOut">
               <a:rPr lang="en-US" smtClean="0"/>
-              <a:t>11/15/16</a:t>
+              <a:t>11/22/16</a:t>
             </a:fld>
             <a:endParaRPr lang="en-US"/>
           </a:p>
@@ -1787,7 +1787,7 @@
           <a:p>
             <a:fld id="{14C9F191-5DFD-4C62-B838-AC695C885212}" type="datetimeFigureOut">
               <a:rPr lang="en-US" smtClean="0"/>
-              <a:t>11/15/16</a:t>
+              <a:t>11/22/16</a:t>
             </a:fld>
             <a:endParaRPr lang="en-US"/>
           </a:p>
@@ -1905,7 +1905,7 @@
           <a:p>
             <a:fld id="{14C9F191-5DFD-4C62-B838-AC695C885212}" type="datetimeFigureOut">
               <a:rPr lang="en-US" smtClean="0"/>
-              <a:t>11/15/16</a:t>
+              <a:t>11/22/16</a:t>
             </a:fld>
             <a:endParaRPr lang="en-US"/>
           </a:p>
@@ -2000,7 +2000,7 @@
           <a:p>
             <a:fld id="{14C9F191-5DFD-4C62-B838-AC695C885212}" type="datetimeFigureOut">
               <a:rPr lang="en-US" smtClean="0"/>
-              <a:t>11/15/16</a:t>
+              <a:t>11/22/16</a:t>
             </a:fld>
             <a:endParaRPr lang="en-US"/>
           </a:p>
@@ -2277,7 +2277,7 @@
           <a:p>
             <a:fld id="{14C9F191-5DFD-4C62-B838-AC695C885212}" type="datetimeFigureOut">
               <a:rPr lang="en-US" smtClean="0"/>
-              <a:t>11/15/16</a:t>
+              <a:t>11/22/16</a:t>
             </a:fld>
             <a:endParaRPr lang="en-US"/>
           </a:p>
@@ -2530,7 +2530,7 @@
           <a:p>
             <a:fld id="{14C9F191-5DFD-4C62-B838-AC695C885212}" type="datetimeFigureOut">
               <a:rPr lang="en-US" smtClean="0"/>
-              <a:t>11/15/16</a:t>
+              <a:t>11/22/16</a:t>
             </a:fld>
             <a:endParaRPr lang="en-US"/>
           </a:p>
@@ -2743,7 +2743,7 @@
           <a:p>
             <a:fld id="{14C9F191-5DFD-4C62-B838-AC695C885212}" type="datetimeFigureOut">
               <a:rPr lang="en-US" smtClean="0"/>
-              <a:t>11/15/16</a:t>
+              <a:t>11/22/16</a:t>
             </a:fld>
             <a:endParaRPr lang="en-US"/>
           </a:p>
@@ -4410,14 +4410,14 @@
         <p:nvCxnSpPr>
           <p:cNvPr id="27" name="Straight Arrow Connector 26"/>
           <p:cNvCxnSpPr>
-            <a:stCxn id="18" idx="2"/>
+            <a:stCxn id="33" idx="2"/>
           </p:cNvCxnSpPr>
           <p:nvPr/>
         </p:nvCxnSpPr>
         <p:spPr>
-          <a:xfrm flipH="1">
-            <a:off x="3646602" y="1509583"/>
-            <a:ext cx="1333180" cy="885449"/>
+          <a:xfrm flipH="1" flipV="1">
+            <a:off x="3646602" y="2395032"/>
+            <a:ext cx="1454671" cy="63615"/>
           </a:xfrm>
           <a:prstGeom prst="straightConnector1">
             <a:avLst/>
@@ -4449,8 +4449,101 @@
         </p:nvSpPr>
         <p:spPr>
           <a:xfrm>
-            <a:off x="5113137" y="2126293"/>
+            <a:off x="5101273" y="2149529"/>
             <a:ext cx="1157059" cy="618236"/>
+          </a:xfrm>
+          <a:prstGeom prst="snip2DiagRect">
+            <a:avLst/>
+          </a:prstGeom>
+          <a:solidFill>
+            <a:srgbClr val="FFFF00"/>
+          </a:solidFill>
+          <a:ln>
+            <a:solidFill>
+              <a:schemeClr val="tx1"/>
+            </a:solidFill>
+          </a:ln>
+        </p:spPr>
+        <p:style>
+          <a:lnRef idx="1">
+            <a:schemeClr val="accent1"/>
+          </a:lnRef>
+          <a:fillRef idx="3">
+            <a:schemeClr val="accent1"/>
+          </a:fillRef>
+          <a:effectRef idx="2">
+            <a:schemeClr val="accent1"/>
+          </a:effectRef>
+          <a:fontRef idx="minor">
+            <a:schemeClr val="lt1"/>
+          </a:fontRef>
+        </p:style>
+        <p:txBody>
+          <a:bodyPr rtlCol="0" anchor="ctr"/>
+          <a:lstStyle/>
+          <a:p>
+            <a:pPr algn="ctr"/>
+            <a:r>
+              <a:rPr lang="en-US" dirty="0" err="1" smtClean="0">
+                <a:solidFill>
+                  <a:schemeClr val="tx1"/>
+                </a:solidFill>
+              </a:rPr>
+              <a:t>gameObj</a:t>
+            </a:r>
+            <a:endParaRPr lang="en-US" dirty="0">
+              <a:solidFill>
+                <a:schemeClr val="tx1"/>
+              </a:solidFill>
+            </a:endParaRPr>
+          </a:p>
+        </p:txBody>
+      </p:sp>
+      <p:cxnSp>
+        <p:nvCxnSpPr>
+          <p:cNvPr id="36" name="Straight Arrow Connector 35"/>
+          <p:cNvCxnSpPr>
+            <a:stCxn id="18" idx="1"/>
+          </p:cNvCxnSpPr>
+          <p:nvPr/>
+        </p:nvCxnSpPr>
+        <p:spPr>
+          <a:xfrm>
+            <a:off x="5679803" y="1782464"/>
+            <a:ext cx="11864" cy="355090"/>
+          </a:xfrm>
+          <a:prstGeom prst="straightConnector1">
+            <a:avLst/>
+          </a:prstGeom>
+          <a:ln>
+            <a:tailEnd type="triangle"/>
+          </a:ln>
+        </p:spPr>
+        <p:style>
+          <a:lnRef idx="1">
+            <a:schemeClr val="accent1"/>
+          </a:lnRef>
+          <a:fillRef idx="0">
+            <a:schemeClr val="accent1"/>
+          </a:fillRef>
+          <a:effectRef idx="0">
+            <a:schemeClr val="accent1"/>
+          </a:effectRef>
+          <a:fontRef idx="minor">
+            <a:schemeClr val="tx1"/>
+          </a:fontRef>
+        </p:style>
+      </p:cxnSp>
+      <p:sp>
+        <p:nvSpPr>
+          <p:cNvPr id="39" name="Snip Diagonal Corner Rectangle 38"/>
+          <p:cNvSpPr/>
+          <p:nvPr/>
+        </p:nvSpPr>
+        <p:spPr>
+          <a:xfrm>
+            <a:off x="4106650" y="3088876"/>
+            <a:ext cx="956247" cy="560655"/>
           </a:xfrm>
           <a:prstGeom prst="snip2DiagRect">
             <a:avLst/>
@@ -4484,12 +4577,20 @@
           <a:p>
             <a:pPr algn="ctr"/>
             <a:r>
+              <a:rPr lang="en-US" dirty="0">
+                <a:solidFill>
+                  <a:schemeClr val="tx1"/>
+                </a:solidFill>
+              </a:rPr>
+              <a:t>S</a:t>
+            </a:r>
+            <a:r>
               <a:rPr lang="en-US" dirty="0" smtClean="0">
                 <a:solidFill>
                   <a:schemeClr val="tx1"/>
                 </a:solidFill>
               </a:rPr>
-              <a:t>game</a:t>
+              <a:t>tatic</a:t>
             </a:r>
             <a:endParaRPr lang="en-US" dirty="0">
               <a:solidFill>
@@ -4499,51 +4600,16 @@
           </a:p>
         </p:txBody>
       </p:sp>
-      <p:cxnSp>
-        <p:nvCxnSpPr>
-          <p:cNvPr id="36" name="Straight Arrow Connector 35"/>
-          <p:cNvCxnSpPr>
-            <a:stCxn id="18" idx="1"/>
-          </p:cNvCxnSpPr>
-          <p:nvPr/>
-        </p:nvCxnSpPr>
-        <p:spPr>
-          <a:xfrm>
-            <a:off x="5679803" y="1782464"/>
-            <a:ext cx="11864" cy="355090"/>
-          </a:xfrm>
-          <a:prstGeom prst="straightConnector1">
-            <a:avLst/>
-          </a:prstGeom>
-          <a:ln>
-            <a:tailEnd type="triangle"/>
-          </a:ln>
-        </p:spPr>
-        <p:style>
-          <a:lnRef idx="1">
-            <a:schemeClr val="accent1"/>
-          </a:lnRef>
-          <a:fillRef idx="0">
-            <a:schemeClr val="accent1"/>
-          </a:fillRef>
-          <a:effectRef idx="0">
-            <a:schemeClr val="accent1"/>
-          </a:effectRef>
-          <a:fontRef idx="minor">
-            <a:schemeClr val="tx1"/>
-          </a:fontRef>
-        </p:style>
-      </p:cxnSp>
-      <p:sp>
-        <p:nvSpPr>
-          <p:cNvPr id="39" name="Snip Diagonal Corner Rectangle 38"/>
+      <p:sp>
+        <p:nvSpPr>
+          <p:cNvPr id="40" name="Snip Diagonal Corner Rectangle 39"/>
           <p:cNvSpPr/>
           <p:nvPr/>
         </p:nvSpPr>
         <p:spPr>
           <a:xfrm>
-            <a:off x="4106650" y="3088876"/>
-            <a:ext cx="956247" cy="560655"/>
+            <a:off x="5679803" y="3196522"/>
+            <a:ext cx="1581451" cy="482465"/>
           </a:xfrm>
           <a:prstGeom prst="snip2DiagRect">
             <a:avLst/>
@@ -4577,70 +4643,20 @@
           <a:p>
             <a:pPr algn="ctr"/>
             <a:r>
+              <a:rPr lang="en-US" dirty="0">
+                <a:solidFill>
+                  <a:schemeClr val="tx1"/>
+                </a:solidFill>
+              </a:rPr>
+              <a:t>D</a:t>
+            </a:r>
+            <a:r>
               <a:rPr lang="en-US" dirty="0" smtClean="0">
                 <a:solidFill>
                   <a:schemeClr val="tx1"/>
                 </a:solidFill>
               </a:rPr>
-              <a:t>static</a:t>
-            </a:r>
-            <a:endParaRPr lang="en-US" dirty="0">
-              <a:solidFill>
-                <a:schemeClr val="tx1"/>
-              </a:solidFill>
-            </a:endParaRPr>
-          </a:p>
-        </p:txBody>
-      </p:sp>
-      <p:sp>
-        <p:nvSpPr>
-          <p:cNvPr id="40" name="Snip Diagonal Corner Rectangle 39"/>
-          <p:cNvSpPr/>
-          <p:nvPr/>
-        </p:nvSpPr>
-        <p:spPr>
-          <a:xfrm>
-            <a:off x="5679803" y="3196522"/>
-            <a:ext cx="1581451" cy="482465"/>
-          </a:xfrm>
-          <a:prstGeom prst="snip2DiagRect">
-            <a:avLst/>
-          </a:prstGeom>
-          <a:solidFill>
-            <a:schemeClr val="bg1"/>
-          </a:solidFill>
-          <a:ln>
-            <a:solidFill>
-              <a:schemeClr val="tx1"/>
-            </a:solidFill>
-          </a:ln>
-        </p:spPr>
-        <p:style>
-          <a:lnRef idx="1">
-            <a:schemeClr val="accent1"/>
-          </a:lnRef>
-          <a:fillRef idx="3">
-            <a:schemeClr val="accent1"/>
-          </a:fillRef>
-          <a:effectRef idx="2">
-            <a:schemeClr val="accent1"/>
-          </a:effectRef>
-          <a:fontRef idx="minor">
-            <a:schemeClr val="lt1"/>
-          </a:fontRef>
-        </p:style>
-        <p:txBody>
-          <a:bodyPr rtlCol="0" anchor="ctr"/>
-          <a:lstStyle/>
-          <a:p>
-            <a:pPr algn="ctr"/>
-            <a:r>
-              <a:rPr lang="en-US" dirty="0" smtClean="0">
-                <a:solidFill>
-                  <a:schemeClr val="tx1"/>
-                </a:solidFill>
-              </a:rPr>
-              <a:t>dynamic</a:t>
+              <a:t>ynamic</a:t>
             </a:r>
             <a:endParaRPr lang="en-US" dirty="0">
               <a:solidFill>
@@ -4694,8 +4710,8 @@
         </p:nvCxnSpPr>
         <p:spPr>
           <a:xfrm>
-            <a:off x="5691667" y="2744529"/>
-            <a:ext cx="778862" cy="451993"/>
+            <a:off x="5679803" y="2767765"/>
+            <a:ext cx="790726" cy="428757"/>
           </a:xfrm>
           <a:prstGeom prst="straightConnector1">
             <a:avLst/>
@@ -4764,12 +4780,20 @@
           <a:p>
             <a:pPr algn="ctr"/>
             <a:r>
+              <a:rPr lang="en-US" dirty="0">
+                <a:solidFill>
+                  <a:schemeClr val="tx1"/>
+                </a:solidFill>
+              </a:rPr>
+              <a:t>Z</a:t>
+            </a:r>
+            <a:r>
               <a:rPr lang="en-US" dirty="0" smtClean="0">
                 <a:solidFill>
                   <a:schemeClr val="tx1"/>
                 </a:solidFill>
               </a:rPr>
-              <a:t>zoo</a:t>
+              <a:t>oo</a:t>
             </a:r>
             <a:endParaRPr lang="en-US" dirty="0">
               <a:solidFill>
@@ -4824,12 +4848,20 @@
           <a:p>
             <a:pPr algn="ctr"/>
             <a:r>
+              <a:rPr lang="en-US" dirty="0">
+                <a:solidFill>
+                  <a:schemeClr val="tx1"/>
+                </a:solidFill>
+              </a:rPr>
+              <a:t>C</a:t>
+            </a:r>
+            <a:r>
               <a:rPr lang="en-US" dirty="0" smtClean="0">
                 <a:solidFill>
                   <a:schemeClr val="tx1"/>
                 </a:solidFill>
               </a:rPr>
-              <a:t>cages</a:t>
+              <a:t>age</a:t>
             </a:r>
             <a:endParaRPr lang="en-US" dirty="0">
               <a:solidFill>
@@ -5252,15 +5284,15 @@
         <p:nvCxnSpPr>
           <p:cNvPr id="110" name="Straight Arrow Connector 109"/>
           <p:cNvCxnSpPr>
-            <a:stCxn id="18" idx="0"/>
+            <a:stCxn id="33" idx="0"/>
             <a:endCxn id="108" idx="2"/>
           </p:cNvCxnSpPr>
           <p:nvPr/>
         </p:nvCxnSpPr>
         <p:spPr>
-          <a:xfrm>
-            <a:off x="6379824" y="1509583"/>
-            <a:ext cx="1392576" cy="719622"/>
+          <a:xfrm flipV="1">
+            <a:off x="6258332" y="2229205"/>
+            <a:ext cx="1514068" cy="229442"/>
           </a:xfrm>
           <a:prstGeom prst="straightConnector1">
             <a:avLst/>
@@ -5524,6 +5556,78 @@
               <a:t>invisble</a:t>
             </a:r>
             <a:endParaRPr lang="en-US" dirty="0"/>
+          </a:p>
+        </p:txBody>
+      </p:sp>
+      <p:sp>
+        <p:nvSpPr>
+          <p:cNvPr id="41" name="Rectangle 40"/>
+          <p:cNvSpPr/>
+          <p:nvPr/>
+        </p:nvSpPr>
+        <p:spPr>
+          <a:xfrm>
+            <a:off x="1219200" y="5781552"/>
+            <a:ext cx="457200" cy="457200"/>
+          </a:xfrm>
+          <a:prstGeom prst="rect">
+            <a:avLst/>
+          </a:prstGeom>
+          <a:solidFill>
+            <a:srgbClr val="FFFF00"/>
+          </a:solidFill>
+        </p:spPr>
+        <p:style>
+          <a:lnRef idx="2">
+            <a:schemeClr val="accent1">
+              <a:shade val="50000"/>
+            </a:schemeClr>
+          </a:lnRef>
+          <a:fillRef idx="1">
+            <a:schemeClr val="accent1"/>
+          </a:fillRef>
+          <a:effectRef idx="0">
+            <a:schemeClr val="accent1"/>
+          </a:effectRef>
+          <a:fontRef idx="minor">
+            <a:schemeClr val="lt1"/>
+          </a:fontRef>
+        </p:style>
+        <p:txBody>
+          <a:bodyPr rtlCol="0" anchor="ctr"/>
+          <a:lstStyle/>
+          <a:p>
+            <a:pPr algn="ctr"/>
+            <a:endParaRPr lang="en-US"/>
+          </a:p>
+        </p:txBody>
+      </p:sp>
+      <p:sp>
+        <p:nvSpPr>
+          <p:cNvPr id="43" name="TextBox 42"/>
+          <p:cNvSpPr txBox="1"/>
+          <p:nvPr/>
+        </p:nvSpPr>
+        <p:spPr>
+          <a:xfrm>
+            <a:off x="324060" y="5825486"/>
+            <a:ext cx="895140" cy="369332"/>
+          </a:xfrm>
+          <a:prstGeom prst="rect">
+            <a:avLst/>
+          </a:prstGeom>
+          <a:noFill/>
+        </p:spPr>
+        <p:txBody>
+          <a:bodyPr wrap="square" rtlCol="0">
+            <a:spAutoFit/>
+          </a:bodyPr>
+          <a:lstStyle/>
+          <a:p>
+            <a:r>
+              <a:rPr lang="en-US" smtClean="0"/>
+              <a:t>Master</a:t>
+            </a:r>
           </a:p>
         </p:txBody>
       </p:sp>

--- a/assets/ZooKill Soccer Game Design Document.pptx
+++ b/assets/ZooKill Soccer Game Design Document.pptx
@@ -311,7 +311,7 @@
           <a:p>
             <a:fld id="{14C9F191-5DFD-4C62-B838-AC695C885212}" type="datetimeFigureOut">
               <a:rPr lang="en-US" smtClean="0"/>
-              <a:t>11/22/16</a:t>
+              <a:t>11/29/16</a:t>
             </a:fld>
             <a:endParaRPr lang="en-US"/>
           </a:p>
@@ -481,7 +481,7 @@
           <a:p>
             <a:fld id="{14C9F191-5DFD-4C62-B838-AC695C885212}" type="datetimeFigureOut">
               <a:rPr lang="en-US" smtClean="0"/>
-              <a:t>11/22/16</a:t>
+              <a:t>11/29/16</a:t>
             </a:fld>
             <a:endParaRPr lang="en-US"/>
           </a:p>
@@ -661,7 +661,7 @@
           <a:p>
             <a:fld id="{14C9F191-5DFD-4C62-B838-AC695C885212}" type="datetimeFigureOut">
               <a:rPr lang="en-US" smtClean="0"/>
-              <a:t>11/22/16</a:t>
+              <a:t>11/29/16</a:t>
             </a:fld>
             <a:endParaRPr lang="en-US"/>
           </a:p>
@@ -831,7 +831,7 @@
           <a:p>
             <a:fld id="{14C9F191-5DFD-4C62-B838-AC695C885212}" type="datetimeFigureOut">
               <a:rPr lang="en-US" smtClean="0"/>
-              <a:t>11/22/16</a:t>
+              <a:t>11/29/16</a:t>
             </a:fld>
             <a:endParaRPr lang="en-US"/>
           </a:p>
@@ -1077,7 +1077,7 @@
           <a:p>
             <a:fld id="{14C9F191-5DFD-4C62-B838-AC695C885212}" type="datetimeFigureOut">
               <a:rPr lang="en-US" smtClean="0"/>
-              <a:t>11/22/16</a:t>
+              <a:t>11/29/16</a:t>
             </a:fld>
             <a:endParaRPr lang="en-US"/>
           </a:p>
@@ -1365,7 +1365,7 @@
           <a:p>
             <a:fld id="{14C9F191-5DFD-4C62-B838-AC695C885212}" type="datetimeFigureOut">
               <a:rPr lang="en-US" smtClean="0"/>
-              <a:t>11/22/16</a:t>
+              <a:t>11/29/16</a:t>
             </a:fld>
             <a:endParaRPr lang="en-US"/>
           </a:p>
@@ -1787,7 +1787,7 @@
           <a:p>
             <a:fld id="{14C9F191-5DFD-4C62-B838-AC695C885212}" type="datetimeFigureOut">
               <a:rPr lang="en-US" smtClean="0"/>
-              <a:t>11/22/16</a:t>
+              <a:t>11/29/16</a:t>
             </a:fld>
             <a:endParaRPr lang="en-US"/>
           </a:p>
@@ -1905,7 +1905,7 @@
           <a:p>
             <a:fld id="{14C9F191-5DFD-4C62-B838-AC695C885212}" type="datetimeFigureOut">
               <a:rPr lang="en-US" smtClean="0"/>
-              <a:t>11/22/16</a:t>
+              <a:t>11/29/16</a:t>
             </a:fld>
             <a:endParaRPr lang="en-US"/>
           </a:p>
@@ -2000,7 +2000,7 @@
           <a:p>
             <a:fld id="{14C9F191-5DFD-4C62-B838-AC695C885212}" type="datetimeFigureOut">
               <a:rPr lang="en-US" smtClean="0"/>
-              <a:t>11/22/16</a:t>
+              <a:t>11/29/16</a:t>
             </a:fld>
             <a:endParaRPr lang="en-US"/>
           </a:p>
@@ -2277,7 +2277,7 @@
           <a:p>
             <a:fld id="{14C9F191-5DFD-4C62-B838-AC695C885212}" type="datetimeFigureOut">
               <a:rPr lang="en-US" smtClean="0"/>
-              <a:t>11/22/16</a:t>
+              <a:t>11/29/16</a:t>
             </a:fld>
             <a:endParaRPr lang="en-US"/>
           </a:p>
@@ -2530,7 +2530,7 @@
           <a:p>
             <a:fld id="{14C9F191-5DFD-4C62-B838-AC695C885212}" type="datetimeFigureOut">
               <a:rPr lang="en-US" smtClean="0"/>
-              <a:t>11/22/16</a:t>
+              <a:t>11/29/16</a:t>
             </a:fld>
             <a:endParaRPr lang="en-US"/>
           </a:p>
@@ -2743,7 +2743,7 @@
           <a:p>
             <a:fld id="{14C9F191-5DFD-4C62-B838-AC695C885212}" type="datetimeFigureOut">
               <a:rPr lang="en-US" smtClean="0"/>
-              <a:t>11/22/16</a:t>
+              <a:t>11/29/16</a:t>
             </a:fld>
             <a:endParaRPr lang="en-US"/>
           </a:p>
@@ -4039,12 +4039,12 @@
           <a:p>
             <a:pPr algn="ctr"/>
             <a:r>
-              <a:rPr lang="en-US" smtClean="0">
+              <a:rPr lang="en-US" dirty="0" smtClean="0">
                 <a:solidFill>
                   <a:schemeClr val="tx1"/>
                 </a:solidFill>
               </a:rPr>
-              <a:t>screen</a:t>
+              <a:t>Screen</a:t>
             </a:r>
             <a:endParaRPr lang="en-US" dirty="0">
               <a:solidFill>
@@ -4104,7 +4104,7 @@
                   <a:schemeClr val="tx1"/>
                 </a:solidFill>
               </a:rPr>
-              <a:t>GameScreen</a:t>
+              <a:t>WonScreen</a:t>
             </a:r>
             <a:endParaRPr lang="en-US" dirty="0">
               <a:solidFill>
@@ -4164,7 +4164,7 @@
                   <a:schemeClr val="tx1"/>
                 </a:solidFill>
               </a:rPr>
-              <a:t>EndScreen</a:t>
+              <a:t>LostScreen</a:t>
             </a:r>
             <a:endParaRPr lang="en-US" dirty="0">
               <a:solidFill>
@@ -4182,7 +4182,7 @@
         </p:nvSpPr>
         <p:spPr>
           <a:xfrm>
-            <a:off x="140838" y="1383552"/>
+            <a:off x="171660" y="903417"/>
             <a:ext cx="1889256" cy="398911"/>
           </a:xfrm>
           <a:prstGeom prst="snip2DiagRect">
@@ -4303,15 +4303,13 @@
       <p:cxnSp>
         <p:nvCxnSpPr>
           <p:cNvPr id="21" name="Straight Arrow Connector 20"/>
-          <p:cNvCxnSpPr>
-            <a:stCxn id="17" idx="0"/>
-          </p:cNvCxnSpPr>
+          <p:cNvCxnSpPr/>
           <p:nvPr/>
         </p:nvCxnSpPr>
         <p:spPr>
           <a:xfrm>
-            <a:off x="2030094" y="1583008"/>
-            <a:ext cx="697308" cy="798677"/>
+            <a:off x="2065667" y="1114578"/>
+            <a:ext cx="772682" cy="1290634"/>
           </a:xfrm>
           <a:prstGeom prst="straightConnector1">
             <a:avLst/>
@@ -4416,8 +4414,8 @@
         </p:nvCxnSpPr>
         <p:spPr>
           <a:xfrm flipH="1" flipV="1">
-            <a:off x="3646602" y="2395032"/>
-            <a:ext cx="1454671" cy="63615"/>
+            <a:off x="3646604" y="2395033"/>
+            <a:ext cx="1454669" cy="63614"/>
           </a:xfrm>
           <a:prstGeom prst="straightConnector1">
             <a:avLst/>
@@ -4542,8 +4540,8 @@
         </p:nvSpPr>
         <p:spPr>
           <a:xfrm>
-            <a:off x="4106650" y="3088876"/>
-            <a:ext cx="956247" cy="560655"/>
+            <a:off x="3817078" y="3088876"/>
+            <a:ext cx="1245820" cy="560655"/>
           </a:xfrm>
           <a:prstGeom prst="snip2DiagRect">
             <a:avLst/>
@@ -4577,20 +4575,12 @@
           <a:p>
             <a:pPr algn="ctr"/>
             <a:r>
-              <a:rPr lang="en-US" dirty="0">
-                <a:solidFill>
-                  <a:schemeClr val="tx1"/>
-                </a:solidFill>
-              </a:rPr>
-              <a:t>S</a:t>
-            </a:r>
-            <a:r>
               <a:rPr lang="en-US" dirty="0" smtClean="0">
                 <a:solidFill>
                   <a:schemeClr val="tx1"/>
                 </a:solidFill>
               </a:rPr>
-              <a:t>tatic</a:t>
+              <a:t>Static</a:t>
             </a:r>
             <a:endParaRPr lang="en-US" dirty="0">
               <a:solidFill>
@@ -4643,20 +4633,12 @@
           <a:p>
             <a:pPr algn="ctr"/>
             <a:r>
-              <a:rPr lang="en-US" dirty="0">
-                <a:solidFill>
-                  <a:schemeClr val="tx1"/>
-                </a:solidFill>
-              </a:rPr>
-              <a:t>D</a:t>
-            </a:r>
-            <a:r>
               <a:rPr lang="en-US" dirty="0" smtClean="0">
                 <a:solidFill>
                   <a:schemeClr val="tx1"/>
                 </a:solidFill>
               </a:rPr>
-              <a:t>ynamic</a:t>
+              <a:t>Dynamic</a:t>
             </a:r>
             <a:endParaRPr lang="en-US" dirty="0">
               <a:solidFill>
@@ -5265,7 +5247,7 @@
           <a:p>
             <a:pPr algn="ctr"/>
             <a:r>
-              <a:rPr lang="en-US" smtClean="0">
+              <a:rPr lang="en-US" dirty="0" smtClean="0">
                 <a:solidFill>
                   <a:schemeClr val="tx1"/>
                 </a:solidFill>
@@ -5631,6 +5613,99 @@
           </a:p>
         </p:txBody>
       </p:sp>
+      <p:sp>
+        <p:nvSpPr>
+          <p:cNvPr id="47" name="Snip Diagonal Corner Rectangle 46"/>
+          <p:cNvSpPr/>
+          <p:nvPr/>
+        </p:nvSpPr>
+        <p:spPr>
+          <a:xfrm>
+            <a:off x="171660" y="1531618"/>
+            <a:ext cx="1889256" cy="398911"/>
+          </a:xfrm>
+          <a:prstGeom prst="snip2DiagRect">
+            <a:avLst/>
+          </a:prstGeom>
+          <a:solidFill>
+            <a:schemeClr val="bg2">
+              <a:lumMod val="75000"/>
+            </a:schemeClr>
+          </a:solidFill>
+          <a:ln>
+            <a:solidFill>
+              <a:schemeClr val="tx1"/>
+            </a:solidFill>
+          </a:ln>
+        </p:spPr>
+        <p:style>
+          <a:lnRef idx="1">
+            <a:schemeClr val="accent1"/>
+          </a:lnRef>
+          <a:fillRef idx="3">
+            <a:schemeClr val="accent1"/>
+          </a:fillRef>
+          <a:effectRef idx="2">
+            <a:schemeClr val="accent1"/>
+          </a:effectRef>
+          <a:fontRef idx="minor">
+            <a:schemeClr val="lt1"/>
+          </a:fontRef>
+        </p:style>
+        <p:txBody>
+          <a:bodyPr rtlCol="0" anchor="ctr"/>
+          <a:lstStyle/>
+          <a:p>
+            <a:pPr algn="ctr"/>
+            <a:r>
+              <a:rPr lang="en-US" dirty="0" err="1" smtClean="0">
+                <a:solidFill>
+                  <a:schemeClr val="tx1"/>
+                </a:solidFill>
+              </a:rPr>
+              <a:t>GameScreen</a:t>
+            </a:r>
+            <a:endParaRPr lang="en-US" dirty="0">
+              <a:solidFill>
+                <a:schemeClr val="tx1"/>
+              </a:solidFill>
+            </a:endParaRPr>
+          </a:p>
+        </p:txBody>
+      </p:sp>
+      <p:cxnSp>
+        <p:nvCxnSpPr>
+          <p:cNvPr id="48" name="Straight Arrow Connector 47"/>
+          <p:cNvCxnSpPr/>
+          <p:nvPr/>
+        </p:nvCxnSpPr>
+        <p:spPr>
+          <a:xfrm>
+            <a:off x="2041240" y="1749711"/>
+            <a:ext cx="686162" cy="735631"/>
+          </a:xfrm>
+          <a:prstGeom prst="straightConnector1">
+            <a:avLst/>
+          </a:prstGeom>
+          <a:ln>
+            <a:tailEnd type="triangle"/>
+          </a:ln>
+        </p:spPr>
+        <p:style>
+          <a:lnRef idx="1">
+            <a:schemeClr val="accent1"/>
+          </a:lnRef>
+          <a:fillRef idx="0">
+            <a:schemeClr val="accent1"/>
+          </a:fillRef>
+          <a:effectRef idx="0">
+            <a:schemeClr val="accent1"/>
+          </a:effectRef>
+          <a:fontRef idx="minor">
+            <a:schemeClr val="tx1"/>
+          </a:fontRef>
+        </p:style>
+      </p:cxnSp>
     </p:spTree>
     <p:extLst>
       <p:ext uri="{BB962C8B-B14F-4D97-AF65-F5344CB8AC3E}">

--- a/assets/ZooKill Soccer Game Design Document.pptx
+++ b/assets/ZooKill Soccer Game Design Document.pptx
@@ -13,6 +13,7 @@
     <p:sldId id="262" r:id="rId7"/>
     <p:sldId id="279" r:id="rId8"/>
     <p:sldId id="266" r:id="rId9"/>
+    <p:sldId id="280" r:id="rId10"/>
   </p:sldIdLst>
   <p:sldSz cx="9144000" cy="6858000" type="screen4x3"/>
   <p:notesSz cx="6858000" cy="9144000"/>
@@ -311,7 +312,7 @@
           <a:p>
             <a:fld id="{14C9F191-5DFD-4C62-B838-AC695C885212}" type="datetimeFigureOut">
               <a:rPr lang="en-US" smtClean="0"/>
-              <a:t>11/29/16</a:t>
+              <a:t>12/6/16</a:t>
             </a:fld>
             <a:endParaRPr lang="en-US"/>
           </a:p>
@@ -481,7 +482,7 @@
           <a:p>
             <a:fld id="{14C9F191-5DFD-4C62-B838-AC695C885212}" type="datetimeFigureOut">
               <a:rPr lang="en-US" smtClean="0"/>
-              <a:t>11/29/16</a:t>
+              <a:t>12/6/16</a:t>
             </a:fld>
             <a:endParaRPr lang="en-US"/>
           </a:p>
@@ -661,7 +662,7 @@
           <a:p>
             <a:fld id="{14C9F191-5DFD-4C62-B838-AC695C885212}" type="datetimeFigureOut">
               <a:rPr lang="en-US" smtClean="0"/>
-              <a:t>11/29/16</a:t>
+              <a:t>12/6/16</a:t>
             </a:fld>
             <a:endParaRPr lang="en-US"/>
           </a:p>
@@ -831,7 +832,7 @@
           <a:p>
             <a:fld id="{14C9F191-5DFD-4C62-B838-AC695C885212}" type="datetimeFigureOut">
               <a:rPr lang="en-US" smtClean="0"/>
-              <a:t>11/29/16</a:t>
+              <a:t>12/6/16</a:t>
             </a:fld>
             <a:endParaRPr lang="en-US"/>
           </a:p>
@@ -1077,7 +1078,7 @@
           <a:p>
             <a:fld id="{14C9F191-5DFD-4C62-B838-AC695C885212}" type="datetimeFigureOut">
               <a:rPr lang="en-US" smtClean="0"/>
-              <a:t>11/29/16</a:t>
+              <a:t>12/6/16</a:t>
             </a:fld>
             <a:endParaRPr lang="en-US"/>
           </a:p>
@@ -1365,7 +1366,7 @@
           <a:p>
             <a:fld id="{14C9F191-5DFD-4C62-B838-AC695C885212}" type="datetimeFigureOut">
               <a:rPr lang="en-US" smtClean="0"/>
-              <a:t>11/29/16</a:t>
+              <a:t>12/6/16</a:t>
             </a:fld>
             <a:endParaRPr lang="en-US"/>
           </a:p>
@@ -1787,7 +1788,7 @@
           <a:p>
             <a:fld id="{14C9F191-5DFD-4C62-B838-AC695C885212}" type="datetimeFigureOut">
               <a:rPr lang="en-US" smtClean="0"/>
-              <a:t>11/29/16</a:t>
+              <a:t>12/6/16</a:t>
             </a:fld>
             <a:endParaRPr lang="en-US"/>
           </a:p>
@@ -1905,7 +1906,7 @@
           <a:p>
             <a:fld id="{14C9F191-5DFD-4C62-B838-AC695C885212}" type="datetimeFigureOut">
               <a:rPr lang="en-US" smtClean="0"/>
-              <a:t>11/29/16</a:t>
+              <a:t>12/6/16</a:t>
             </a:fld>
             <a:endParaRPr lang="en-US"/>
           </a:p>
@@ -2000,7 +2001,7 @@
           <a:p>
             <a:fld id="{14C9F191-5DFD-4C62-B838-AC695C885212}" type="datetimeFigureOut">
               <a:rPr lang="en-US" smtClean="0"/>
-              <a:t>11/29/16</a:t>
+              <a:t>12/6/16</a:t>
             </a:fld>
             <a:endParaRPr lang="en-US"/>
           </a:p>
@@ -2277,7 +2278,7 @@
           <a:p>
             <a:fld id="{14C9F191-5DFD-4C62-B838-AC695C885212}" type="datetimeFigureOut">
               <a:rPr lang="en-US" smtClean="0"/>
-              <a:t>11/29/16</a:t>
+              <a:t>12/6/16</a:t>
             </a:fld>
             <a:endParaRPr lang="en-US"/>
           </a:p>
@@ -2530,7 +2531,7 @@
           <a:p>
             <a:fld id="{14C9F191-5DFD-4C62-B838-AC695C885212}" type="datetimeFigureOut">
               <a:rPr lang="en-US" smtClean="0"/>
-              <a:t>11/29/16</a:t>
+              <a:t>12/6/16</a:t>
             </a:fld>
             <a:endParaRPr lang="en-US"/>
           </a:p>
@@ -2743,7 +2744,7 @@
           <a:p>
             <a:fld id="{14C9F191-5DFD-4C62-B838-AC695C885212}" type="datetimeFigureOut">
               <a:rPr lang="en-US" smtClean="0"/>
-              <a:t>11/29/16</a:t>
+              <a:t>12/6/16</a:t>
             </a:fld>
             <a:endParaRPr lang="en-US"/>
           </a:p>
@@ -5710,6 +5711,1099 @@
     <p:extLst>
       <p:ext uri="{BB962C8B-B14F-4D97-AF65-F5344CB8AC3E}">
         <p14:creationId xmlns:p14="http://schemas.microsoft.com/office/powerpoint/2010/main" val="3548558861"/>
+      </p:ext>
+    </p:extLst>
+  </p:cSld>
+  <p:clrMapOvr>
+    <a:masterClrMapping/>
+  </p:clrMapOvr>
+</p:sld>
+</file>
+
+<file path=ppt/slides/slide9.xml><?xml version="1.0" encoding="utf-8"?>
+<p:sld xmlns:a="http://schemas.openxmlformats.org/drawingml/2006/main" xmlns:r="http://schemas.openxmlformats.org/officeDocument/2006/relationships" xmlns:p="http://schemas.openxmlformats.org/presentationml/2006/main">
+  <p:cSld>
+    <p:spTree>
+      <p:nvGrpSpPr>
+        <p:cNvPr id="1" name=""/>
+        <p:cNvGrpSpPr/>
+        <p:nvPr/>
+      </p:nvGrpSpPr>
+      <p:grpSpPr>
+        <a:xfrm>
+          <a:off x="0" y="0"/>
+          <a:ext cx="0" cy="0"/>
+          <a:chOff x="0" y="0"/>
+          <a:chExt cx="0" cy="0"/>
+        </a:xfrm>
+      </p:grpSpPr>
+      <p:sp>
+        <p:nvSpPr>
+          <p:cNvPr id="2" name="Title 1"/>
+          <p:cNvSpPr>
+            <a:spLocks noGrp="1"/>
+          </p:cNvSpPr>
+          <p:nvPr>
+            <p:ph type="title"/>
+          </p:nvPr>
+        </p:nvSpPr>
+        <p:spPr/>
+        <p:txBody>
+          <a:bodyPr/>
+          <a:lstStyle/>
+          <a:p>
+            <a:r>
+              <a:rPr lang="en-US" dirty="0" smtClean="0"/>
+              <a:t>Game Compositing – </a:t>
+            </a:r>
+            <a:r>
+              <a:rPr lang="en-US" dirty="0" err="1" smtClean="0"/>
+              <a:t>GameScreen</a:t>
+            </a:r>
+            <a:endParaRPr lang="en-US" dirty="0"/>
+          </a:p>
+        </p:txBody>
+      </p:sp>
+      <p:sp>
+        <p:nvSpPr>
+          <p:cNvPr id="4" name="Snip Diagonal Corner Rectangle 3"/>
+          <p:cNvSpPr/>
+          <p:nvPr/>
+        </p:nvSpPr>
+        <p:spPr>
+          <a:xfrm>
+            <a:off x="3733800" y="1524000"/>
+            <a:ext cx="1889256" cy="398911"/>
+          </a:xfrm>
+          <a:prstGeom prst="snip2DiagRect">
+            <a:avLst/>
+          </a:prstGeom>
+          <a:solidFill>
+            <a:schemeClr val="bg2">
+              <a:lumMod val="75000"/>
+            </a:schemeClr>
+          </a:solidFill>
+          <a:ln>
+            <a:solidFill>
+              <a:schemeClr val="tx1"/>
+            </a:solidFill>
+          </a:ln>
+        </p:spPr>
+        <p:style>
+          <a:lnRef idx="1">
+            <a:schemeClr val="accent1"/>
+          </a:lnRef>
+          <a:fillRef idx="3">
+            <a:schemeClr val="accent1"/>
+          </a:fillRef>
+          <a:effectRef idx="2">
+            <a:schemeClr val="accent1"/>
+          </a:effectRef>
+          <a:fontRef idx="minor">
+            <a:schemeClr val="lt1"/>
+          </a:fontRef>
+        </p:style>
+        <p:txBody>
+          <a:bodyPr rtlCol="0" anchor="ctr"/>
+          <a:lstStyle/>
+          <a:p>
+            <a:pPr algn="ctr"/>
+            <a:r>
+              <a:rPr lang="en-US" dirty="0" err="1" smtClean="0">
+                <a:solidFill>
+                  <a:schemeClr val="tx1"/>
+                </a:solidFill>
+              </a:rPr>
+              <a:t>GameScreen</a:t>
+            </a:r>
+            <a:endParaRPr lang="en-US" dirty="0">
+              <a:solidFill>
+                <a:schemeClr val="tx1"/>
+              </a:solidFill>
+            </a:endParaRPr>
+          </a:p>
+        </p:txBody>
+      </p:sp>
+      <p:sp>
+        <p:nvSpPr>
+          <p:cNvPr id="5" name="Snip Diagonal Corner Rectangle 4"/>
+          <p:cNvSpPr/>
+          <p:nvPr/>
+        </p:nvSpPr>
+        <p:spPr>
+          <a:xfrm>
+            <a:off x="2667000" y="2753380"/>
+            <a:ext cx="956247" cy="607022"/>
+          </a:xfrm>
+          <a:prstGeom prst="snip2DiagRect">
+            <a:avLst/>
+          </a:prstGeom>
+          <a:solidFill>
+            <a:schemeClr val="bg2">
+              <a:lumMod val="75000"/>
+            </a:schemeClr>
+          </a:solidFill>
+          <a:ln>
+            <a:solidFill>
+              <a:schemeClr val="tx1"/>
+            </a:solidFill>
+          </a:ln>
+        </p:spPr>
+        <p:style>
+          <a:lnRef idx="1">
+            <a:schemeClr val="accent1"/>
+          </a:lnRef>
+          <a:fillRef idx="3">
+            <a:schemeClr val="accent1"/>
+          </a:fillRef>
+          <a:effectRef idx="2">
+            <a:schemeClr val="accent1"/>
+          </a:effectRef>
+          <a:fontRef idx="minor">
+            <a:schemeClr val="lt1"/>
+          </a:fontRef>
+        </p:style>
+        <p:txBody>
+          <a:bodyPr rtlCol="0" anchor="ctr"/>
+          <a:lstStyle/>
+          <a:p>
+            <a:pPr algn="ctr"/>
+            <a:r>
+              <a:rPr lang="en-US" dirty="0">
+                <a:solidFill>
+                  <a:schemeClr val="tx1"/>
+                </a:solidFill>
+              </a:rPr>
+              <a:t>Z</a:t>
+            </a:r>
+            <a:r>
+              <a:rPr lang="en-US" dirty="0" smtClean="0">
+                <a:solidFill>
+                  <a:schemeClr val="tx1"/>
+                </a:solidFill>
+              </a:rPr>
+              <a:t>oo</a:t>
+            </a:r>
+            <a:endParaRPr lang="en-US" dirty="0">
+              <a:solidFill>
+                <a:schemeClr val="tx1"/>
+              </a:solidFill>
+            </a:endParaRPr>
+          </a:p>
+        </p:txBody>
+      </p:sp>
+      <p:sp>
+        <p:nvSpPr>
+          <p:cNvPr id="6" name="Snip Diagonal Corner Rectangle 5"/>
+          <p:cNvSpPr/>
+          <p:nvPr/>
+        </p:nvSpPr>
+        <p:spPr>
+          <a:xfrm>
+            <a:off x="1181838" y="4273551"/>
+            <a:ext cx="956247" cy="594236"/>
+          </a:xfrm>
+          <a:prstGeom prst="snip2DiagRect">
+            <a:avLst/>
+          </a:prstGeom>
+          <a:solidFill>
+            <a:schemeClr val="bg2">
+              <a:lumMod val="75000"/>
+            </a:schemeClr>
+          </a:solidFill>
+          <a:ln>
+            <a:solidFill>
+              <a:schemeClr val="tx1"/>
+            </a:solidFill>
+          </a:ln>
+        </p:spPr>
+        <p:style>
+          <a:lnRef idx="1">
+            <a:schemeClr val="accent1"/>
+          </a:lnRef>
+          <a:fillRef idx="3">
+            <a:schemeClr val="accent1"/>
+          </a:fillRef>
+          <a:effectRef idx="2">
+            <a:schemeClr val="accent1"/>
+          </a:effectRef>
+          <a:fontRef idx="minor">
+            <a:schemeClr val="lt1"/>
+          </a:fontRef>
+        </p:style>
+        <p:txBody>
+          <a:bodyPr rtlCol="0" anchor="ctr"/>
+          <a:lstStyle/>
+          <a:p>
+            <a:pPr algn="ctr"/>
+            <a:r>
+              <a:rPr lang="en-US" dirty="0">
+                <a:solidFill>
+                  <a:schemeClr val="tx1"/>
+                </a:solidFill>
+              </a:rPr>
+              <a:t>C</a:t>
+            </a:r>
+            <a:r>
+              <a:rPr lang="en-US" dirty="0" smtClean="0">
+                <a:solidFill>
+                  <a:schemeClr val="tx1"/>
+                </a:solidFill>
+              </a:rPr>
+              <a:t>age</a:t>
+            </a:r>
+            <a:endParaRPr lang="en-US" dirty="0">
+              <a:solidFill>
+                <a:schemeClr val="tx1"/>
+              </a:solidFill>
+            </a:endParaRPr>
+          </a:p>
+        </p:txBody>
+      </p:sp>
+      <p:sp>
+        <p:nvSpPr>
+          <p:cNvPr id="7" name="Snip Diagonal Corner Rectangle 6"/>
+          <p:cNvSpPr/>
+          <p:nvPr/>
+        </p:nvSpPr>
+        <p:spPr>
+          <a:xfrm>
+            <a:off x="880807" y="4657541"/>
+            <a:ext cx="956247" cy="594236"/>
+          </a:xfrm>
+          <a:prstGeom prst="snip2DiagRect">
+            <a:avLst/>
+          </a:prstGeom>
+          <a:solidFill>
+            <a:schemeClr val="bg2">
+              <a:lumMod val="75000"/>
+            </a:schemeClr>
+          </a:solidFill>
+          <a:ln>
+            <a:solidFill>
+              <a:schemeClr val="tx1"/>
+            </a:solidFill>
+          </a:ln>
+        </p:spPr>
+        <p:style>
+          <a:lnRef idx="1">
+            <a:schemeClr val="accent1"/>
+          </a:lnRef>
+          <a:fillRef idx="3">
+            <a:schemeClr val="accent1"/>
+          </a:fillRef>
+          <a:effectRef idx="2">
+            <a:schemeClr val="accent1"/>
+          </a:effectRef>
+          <a:fontRef idx="minor">
+            <a:schemeClr val="lt1"/>
+          </a:fontRef>
+        </p:style>
+        <p:txBody>
+          <a:bodyPr rtlCol="0" anchor="ctr"/>
+          <a:lstStyle/>
+          <a:p>
+            <a:pPr algn="ctr"/>
+            <a:r>
+              <a:rPr lang="en-US" dirty="0">
+                <a:solidFill>
+                  <a:schemeClr val="tx1"/>
+                </a:solidFill>
+              </a:rPr>
+              <a:t>C</a:t>
+            </a:r>
+            <a:r>
+              <a:rPr lang="en-US" dirty="0" smtClean="0">
+                <a:solidFill>
+                  <a:schemeClr val="tx1"/>
+                </a:solidFill>
+              </a:rPr>
+              <a:t>age</a:t>
+            </a:r>
+            <a:endParaRPr lang="en-US" dirty="0">
+              <a:solidFill>
+                <a:schemeClr val="tx1"/>
+              </a:solidFill>
+            </a:endParaRPr>
+          </a:p>
+        </p:txBody>
+      </p:sp>
+      <p:sp>
+        <p:nvSpPr>
+          <p:cNvPr id="8" name="Snip Diagonal Corner Rectangle 7"/>
+          <p:cNvSpPr/>
+          <p:nvPr/>
+        </p:nvSpPr>
+        <p:spPr>
+          <a:xfrm>
+            <a:off x="699874" y="5069734"/>
+            <a:ext cx="956247" cy="594236"/>
+          </a:xfrm>
+          <a:prstGeom prst="snip2DiagRect">
+            <a:avLst/>
+          </a:prstGeom>
+          <a:solidFill>
+            <a:schemeClr val="bg2">
+              <a:lumMod val="75000"/>
+            </a:schemeClr>
+          </a:solidFill>
+          <a:ln>
+            <a:solidFill>
+              <a:schemeClr val="tx1"/>
+            </a:solidFill>
+          </a:ln>
+        </p:spPr>
+        <p:style>
+          <a:lnRef idx="1">
+            <a:schemeClr val="accent1"/>
+          </a:lnRef>
+          <a:fillRef idx="3">
+            <a:schemeClr val="accent1"/>
+          </a:fillRef>
+          <a:effectRef idx="2">
+            <a:schemeClr val="accent1"/>
+          </a:effectRef>
+          <a:fontRef idx="minor">
+            <a:schemeClr val="lt1"/>
+          </a:fontRef>
+        </p:style>
+        <p:txBody>
+          <a:bodyPr rtlCol="0" anchor="ctr"/>
+          <a:lstStyle/>
+          <a:p>
+            <a:pPr algn="ctr"/>
+            <a:r>
+              <a:rPr lang="en-US" dirty="0">
+                <a:solidFill>
+                  <a:schemeClr val="tx1"/>
+                </a:solidFill>
+              </a:rPr>
+              <a:t>C</a:t>
+            </a:r>
+            <a:r>
+              <a:rPr lang="en-US" dirty="0" smtClean="0">
+                <a:solidFill>
+                  <a:schemeClr val="tx1"/>
+                </a:solidFill>
+              </a:rPr>
+              <a:t>age</a:t>
+            </a:r>
+            <a:endParaRPr lang="en-US" dirty="0">
+              <a:solidFill>
+                <a:schemeClr val="tx1"/>
+              </a:solidFill>
+            </a:endParaRPr>
+          </a:p>
+        </p:txBody>
+      </p:sp>
+      <p:sp>
+        <p:nvSpPr>
+          <p:cNvPr id="9" name="Snip Diagonal Corner Rectangle 8"/>
+          <p:cNvSpPr/>
+          <p:nvPr/>
+        </p:nvSpPr>
+        <p:spPr>
+          <a:xfrm>
+            <a:off x="479211" y="5447993"/>
+            <a:ext cx="956247" cy="594236"/>
+          </a:xfrm>
+          <a:prstGeom prst="snip2DiagRect">
+            <a:avLst/>
+          </a:prstGeom>
+          <a:solidFill>
+            <a:schemeClr val="bg2">
+              <a:lumMod val="75000"/>
+            </a:schemeClr>
+          </a:solidFill>
+          <a:ln>
+            <a:solidFill>
+              <a:schemeClr val="tx1"/>
+            </a:solidFill>
+          </a:ln>
+        </p:spPr>
+        <p:style>
+          <a:lnRef idx="1">
+            <a:schemeClr val="accent1"/>
+          </a:lnRef>
+          <a:fillRef idx="3">
+            <a:schemeClr val="accent1"/>
+          </a:fillRef>
+          <a:effectRef idx="2">
+            <a:schemeClr val="accent1"/>
+          </a:effectRef>
+          <a:fontRef idx="minor">
+            <a:schemeClr val="lt1"/>
+          </a:fontRef>
+        </p:style>
+        <p:txBody>
+          <a:bodyPr rtlCol="0" anchor="ctr"/>
+          <a:lstStyle/>
+          <a:p>
+            <a:pPr algn="ctr"/>
+            <a:r>
+              <a:rPr lang="en-US" dirty="0">
+                <a:solidFill>
+                  <a:schemeClr val="tx1"/>
+                </a:solidFill>
+              </a:rPr>
+              <a:t>C</a:t>
+            </a:r>
+            <a:r>
+              <a:rPr lang="en-US" dirty="0" smtClean="0">
+                <a:solidFill>
+                  <a:schemeClr val="tx1"/>
+                </a:solidFill>
+              </a:rPr>
+              <a:t>age</a:t>
+            </a:r>
+            <a:endParaRPr lang="en-US" dirty="0">
+              <a:solidFill>
+                <a:schemeClr val="tx1"/>
+              </a:solidFill>
+            </a:endParaRPr>
+          </a:p>
+        </p:txBody>
+      </p:sp>
+      <p:sp>
+        <p:nvSpPr>
+          <p:cNvPr id="10" name="Snip Diagonal Corner Rectangle 9"/>
+          <p:cNvSpPr/>
+          <p:nvPr/>
+        </p:nvSpPr>
+        <p:spPr>
+          <a:xfrm>
+            <a:off x="7315200" y="1417638"/>
+            <a:ext cx="956247" cy="594236"/>
+          </a:xfrm>
+          <a:prstGeom prst="snip2DiagRect">
+            <a:avLst/>
+          </a:prstGeom>
+          <a:solidFill>
+            <a:schemeClr val="bg2">
+              <a:lumMod val="75000"/>
+            </a:schemeClr>
+          </a:solidFill>
+          <a:ln>
+            <a:solidFill>
+              <a:schemeClr val="tx1"/>
+            </a:solidFill>
+          </a:ln>
+        </p:spPr>
+        <p:style>
+          <a:lnRef idx="1">
+            <a:schemeClr val="accent1"/>
+          </a:lnRef>
+          <a:fillRef idx="3">
+            <a:schemeClr val="accent1"/>
+          </a:fillRef>
+          <a:effectRef idx="2">
+            <a:schemeClr val="accent1"/>
+          </a:effectRef>
+          <a:fontRef idx="minor">
+            <a:schemeClr val="lt1"/>
+          </a:fontRef>
+        </p:style>
+        <p:txBody>
+          <a:bodyPr rtlCol="0" anchor="ctr"/>
+          <a:lstStyle/>
+          <a:p>
+            <a:pPr algn="ctr"/>
+            <a:r>
+              <a:rPr lang="en-US" dirty="0" smtClean="0">
+                <a:solidFill>
+                  <a:schemeClr val="tx1"/>
+                </a:solidFill>
+              </a:rPr>
+              <a:t>Score</a:t>
+            </a:r>
+            <a:endParaRPr lang="en-US" dirty="0">
+              <a:solidFill>
+                <a:schemeClr val="tx1"/>
+              </a:solidFill>
+            </a:endParaRPr>
+          </a:p>
+        </p:txBody>
+      </p:sp>
+      <p:cxnSp>
+        <p:nvCxnSpPr>
+          <p:cNvPr id="12" name="Straight Arrow Connector 11"/>
+          <p:cNvCxnSpPr>
+            <a:stCxn id="4" idx="1"/>
+            <a:endCxn id="5" idx="0"/>
+          </p:cNvCxnSpPr>
+          <p:nvPr/>
+        </p:nvCxnSpPr>
+        <p:spPr>
+          <a:xfrm flipH="1">
+            <a:off x="3623247" y="1922911"/>
+            <a:ext cx="1055181" cy="1133980"/>
+          </a:xfrm>
+          <a:prstGeom prst="straightConnector1">
+            <a:avLst/>
+          </a:prstGeom>
+          <a:ln>
+            <a:tailEnd type="triangle"/>
+          </a:ln>
+        </p:spPr>
+        <p:style>
+          <a:lnRef idx="1">
+            <a:schemeClr val="accent1"/>
+          </a:lnRef>
+          <a:fillRef idx="0">
+            <a:schemeClr val="accent1"/>
+          </a:fillRef>
+          <a:effectRef idx="0">
+            <a:schemeClr val="accent1"/>
+          </a:effectRef>
+          <a:fontRef idx="minor">
+            <a:schemeClr val="tx1"/>
+          </a:fontRef>
+        </p:style>
+      </p:cxnSp>
+      <p:cxnSp>
+        <p:nvCxnSpPr>
+          <p:cNvPr id="35" name="Straight Arrow Connector 34"/>
+          <p:cNvCxnSpPr>
+            <a:stCxn id="4" idx="0"/>
+            <a:endCxn id="10" idx="2"/>
+          </p:cNvCxnSpPr>
+          <p:nvPr/>
+        </p:nvCxnSpPr>
+        <p:spPr>
+          <a:xfrm flipV="1">
+            <a:off x="5623056" y="1714756"/>
+            <a:ext cx="1692144" cy="8700"/>
+          </a:xfrm>
+          <a:prstGeom prst="straightConnector1">
+            <a:avLst/>
+          </a:prstGeom>
+          <a:ln>
+            <a:tailEnd type="triangle"/>
+          </a:ln>
+        </p:spPr>
+        <p:style>
+          <a:lnRef idx="1">
+            <a:schemeClr val="accent1"/>
+          </a:lnRef>
+          <a:fillRef idx="0">
+            <a:schemeClr val="accent1"/>
+          </a:fillRef>
+          <a:effectRef idx="0">
+            <a:schemeClr val="accent1"/>
+          </a:effectRef>
+          <a:fontRef idx="minor">
+            <a:schemeClr val="tx1"/>
+          </a:fontRef>
+        </p:style>
+      </p:cxnSp>
+      <p:sp>
+        <p:nvSpPr>
+          <p:cNvPr id="36" name="Snip Diagonal Corner Rectangle 35"/>
+          <p:cNvSpPr/>
+          <p:nvPr/>
+        </p:nvSpPr>
+        <p:spPr>
+          <a:xfrm>
+            <a:off x="3560490" y="4273551"/>
+            <a:ext cx="879370" cy="614849"/>
+          </a:xfrm>
+          <a:prstGeom prst="snip2DiagRect">
+            <a:avLst/>
+          </a:prstGeom>
+          <a:solidFill>
+            <a:schemeClr val="bg2">
+              <a:lumMod val="75000"/>
+            </a:schemeClr>
+          </a:solidFill>
+          <a:ln>
+            <a:solidFill>
+              <a:schemeClr val="tx1"/>
+            </a:solidFill>
+          </a:ln>
+        </p:spPr>
+        <p:style>
+          <a:lnRef idx="1">
+            <a:schemeClr val="accent1"/>
+          </a:lnRef>
+          <a:fillRef idx="3">
+            <a:schemeClr val="accent1"/>
+          </a:fillRef>
+          <a:effectRef idx="2">
+            <a:schemeClr val="accent1"/>
+          </a:effectRef>
+          <a:fontRef idx="minor">
+            <a:schemeClr val="lt1"/>
+          </a:fontRef>
+        </p:style>
+        <p:txBody>
+          <a:bodyPr rtlCol="0" anchor="ctr"/>
+          <a:lstStyle/>
+          <a:p>
+            <a:pPr algn="ctr"/>
+            <a:r>
+              <a:rPr lang="en-US" dirty="0" smtClean="0">
+                <a:solidFill>
+                  <a:schemeClr val="tx1"/>
+                </a:solidFill>
+              </a:rPr>
+              <a:t>Animal</a:t>
+            </a:r>
+            <a:endParaRPr lang="en-US" dirty="0">
+              <a:solidFill>
+                <a:schemeClr val="tx1"/>
+              </a:solidFill>
+            </a:endParaRPr>
+          </a:p>
+        </p:txBody>
+      </p:sp>
+      <p:sp>
+        <p:nvSpPr>
+          <p:cNvPr id="37" name="Snip Diagonal Corner Rectangle 36"/>
+          <p:cNvSpPr/>
+          <p:nvPr/>
+        </p:nvSpPr>
+        <p:spPr>
+          <a:xfrm>
+            <a:off x="3247077" y="4805719"/>
+            <a:ext cx="879370" cy="614849"/>
+          </a:xfrm>
+          <a:prstGeom prst="snip2DiagRect">
+            <a:avLst/>
+          </a:prstGeom>
+          <a:solidFill>
+            <a:schemeClr val="bg2">
+              <a:lumMod val="75000"/>
+            </a:schemeClr>
+          </a:solidFill>
+          <a:ln>
+            <a:solidFill>
+              <a:schemeClr val="tx1"/>
+            </a:solidFill>
+          </a:ln>
+        </p:spPr>
+        <p:style>
+          <a:lnRef idx="1">
+            <a:schemeClr val="accent1"/>
+          </a:lnRef>
+          <a:fillRef idx="3">
+            <a:schemeClr val="accent1"/>
+          </a:fillRef>
+          <a:effectRef idx="2">
+            <a:schemeClr val="accent1"/>
+          </a:effectRef>
+          <a:fontRef idx="minor">
+            <a:schemeClr val="lt1"/>
+          </a:fontRef>
+        </p:style>
+        <p:txBody>
+          <a:bodyPr rtlCol="0" anchor="ctr"/>
+          <a:lstStyle/>
+          <a:p>
+            <a:pPr algn="ctr"/>
+            <a:r>
+              <a:rPr lang="en-US" dirty="0" smtClean="0">
+                <a:solidFill>
+                  <a:schemeClr val="tx1"/>
+                </a:solidFill>
+              </a:rPr>
+              <a:t>Animal</a:t>
+            </a:r>
+            <a:endParaRPr lang="en-US" dirty="0">
+              <a:solidFill>
+                <a:schemeClr val="tx1"/>
+              </a:solidFill>
+            </a:endParaRPr>
+          </a:p>
+        </p:txBody>
+      </p:sp>
+      <p:sp>
+        <p:nvSpPr>
+          <p:cNvPr id="38" name="Snip Diagonal Corner Rectangle 37"/>
+          <p:cNvSpPr/>
+          <p:nvPr/>
+        </p:nvSpPr>
+        <p:spPr>
+          <a:xfrm>
+            <a:off x="2845481" y="5397697"/>
+            <a:ext cx="879370" cy="614849"/>
+          </a:xfrm>
+          <a:prstGeom prst="snip2DiagRect">
+            <a:avLst/>
+          </a:prstGeom>
+          <a:solidFill>
+            <a:schemeClr val="bg2">
+              <a:lumMod val="75000"/>
+            </a:schemeClr>
+          </a:solidFill>
+          <a:ln>
+            <a:solidFill>
+              <a:schemeClr val="tx1"/>
+            </a:solidFill>
+          </a:ln>
+        </p:spPr>
+        <p:style>
+          <a:lnRef idx="1">
+            <a:schemeClr val="accent1"/>
+          </a:lnRef>
+          <a:fillRef idx="3">
+            <a:schemeClr val="accent1"/>
+          </a:fillRef>
+          <a:effectRef idx="2">
+            <a:schemeClr val="accent1"/>
+          </a:effectRef>
+          <a:fontRef idx="minor">
+            <a:schemeClr val="lt1"/>
+          </a:fontRef>
+        </p:style>
+        <p:txBody>
+          <a:bodyPr rtlCol="0" anchor="ctr"/>
+          <a:lstStyle/>
+          <a:p>
+            <a:pPr algn="ctr"/>
+            <a:r>
+              <a:rPr lang="en-US" dirty="0" smtClean="0">
+                <a:solidFill>
+                  <a:schemeClr val="tx1"/>
+                </a:solidFill>
+              </a:rPr>
+              <a:t>Animal</a:t>
+            </a:r>
+            <a:endParaRPr lang="en-US" dirty="0">
+              <a:solidFill>
+                <a:schemeClr val="tx1"/>
+              </a:solidFill>
+            </a:endParaRPr>
+          </a:p>
+        </p:txBody>
+      </p:sp>
+      <p:sp>
+        <p:nvSpPr>
+          <p:cNvPr id="39" name="Snip Diagonal Corner Rectangle 38"/>
+          <p:cNvSpPr/>
+          <p:nvPr/>
+        </p:nvSpPr>
+        <p:spPr>
+          <a:xfrm>
+            <a:off x="2532620" y="5931381"/>
+            <a:ext cx="879370" cy="614849"/>
+          </a:xfrm>
+          <a:prstGeom prst="snip2DiagRect">
+            <a:avLst/>
+          </a:prstGeom>
+          <a:solidFill>
+            <a:schemeClr val="bg2">
+              <a:lumMod val="75000"/>
+            </a:schemeClr>
+          </a:solidFill>
+          <a:ln>
+            <a:solidFill>
+              <a:schemeClr val="tx1"/>
+            </a:solidFill>
+          </a:ln>
+        </p:spPr>
+        <p:style>
+          <a:lnRef idx="1">
+            <a:schemeClr val="accent1"/>
+          </a:lnRef>
+          <a:fillRef idx="3">
+            <a:schemeClr val="accent1"/>
+          </a:fillRef>
+          <a:effectRef idx="2">
+            <a:schemeClr val="accent1"/>
+          </a:effectRef>
+          <a:fontRef idx="minor">
+            <a:schemeClr val="lt1"/>
+          </a:fontRef>
+        </p:style>
+        <p:txBody>
+          <a:bodyPr rtlCol="0" anchor="ctr"/>
+          <a:lstStyle/>
+          <a:p>
+            <a:pPr algn="ctr"/>
+            <a:r>
+              <a:rPr lang="en-US" dirty="0" smtClean="0">
+                <a:solidFill>
+                  <a:schemeClr val="tx1"/>
+                </a:solidFill>
+              </a:rPr>
+              <a:t>Animal</a:t>
+            </a:r>
+            <a:endParaRPr lang="en-US" dirty="0">
+              <a:solidFill>
+                <a:schemeClr val="tx1"/>
+              </a:solidFill>
+            </a:endParaRPr>
+          </a:p>
+        </p:txBody>
+      </p:sp>
+      <p:cxnSp>
+        <p:nvCxnSpPr>
+          <p:cNvPr id="46" name="Straight Arrow Connector 45"/>
+          <p:cNvCxnSpPr>
+            <a:stCxn id="5" idx="1"/>
+            <a:endCxn id="36" idx="3"/>
+          </p:cNvCxnSpPr>
+          <p:nvPr/>
+        </p:nvCxnSpPr>
+        <p:spPr>
+          <a:xfrm>
+            <a:off x="3145124" y="3360402"/>
+            <a:ext cx="855051" cy="913149"/>
+          </a:xfrm>
+          <a:prstGeom prst="straightConnector1">
+            <a:avLst/>
+          </a:prstGeom>
+          <a:ln>
+            <a:tailEnd type="triangle"/>
+          </a:ln>
+        </p:spPr>
+        <p:style>
+          <a:lnRef idx="1">
+            <a:schemeClr val="accent1"/>
+          </a:lnRef>
+          <a:fillRef idx="0">
+            <a:schemeClr val="accent1"/>
+          </a:fillRef>
+          <a:effectRef idx="0">
+            <a:schemeClr val="accent1"/>
+          </a:effectRef>
+          <a:fontRef idx="minor">
+            <a:schemeClr val="tx1"/>
+          </a:fontRef>
+        </p:style>
+      </p:cxnSp>
+      <p:cxnSp>
+        <p:nvCxnSpPr>
+          <p:cNvPr id="50" name="Straight Arrow Connector 49"/>
+          <p:cNvCxnSpPr>
+            <a:stCxn id="5" idx="1"/>
+            <a:endCxn id="6" idx="3"/>
+          </p:cNvCxnSpPr>
+          <p:nvPr/>
+        </p:nvCxnSpPr>
+        <p:spPr>
+          <a:xfrm flipH="1">
+            <a:off x="1659962" y="3360402"/>
+            <a:ext cx="1485162" cy="913149"/>
+          </a:xfrm>
+          <a:prstGeom prst="straightConnector1">
+            <a:avLst/>
+          </a:prstGeom>
+          <a:ln>
+            <a:tailEnd type="triangle"/>
+          </a:ln>
+        </p:spPr>
+        <p:style>
+          <a:lnRef idx="1">
+            <a:schemeClr val="accent1"/>
+          </a:lnRef>
+          <a:fillRef idx="0">
+            <a:schemeClr val="accent1"/>
+          </a:fillRef>
+          <a:effectRef idx="0">
+            <a:schemeClr val="accent1"/>
+          </a:effectRef>
+          <a:fontRef idx="minor">
+            <a:schemeClr val="tx1"/>
+          </a:fontRef>
+        </p:style>
+      </p:cxnSp>
+      <p:sp>
+        <p:nvSpPr>
+          <p:cNvPr id="51" name="Snip Diagonal Corner Rectangle 50"/>
+          <p:cNvSpPr/>
+          <p:nvPr/>
+        </p:nvSpPr>
+        <p:spPr>
+          <a:xfrm>
+            <a:off x="4511296" y="2702870"/>
+            <a:ext cx="1059132" cy="708042"/>
+          </a:xfrm>
+          <a:prstGeom prst="snip2DiagRect">
+            <a:avLst/>
+          </a:prstGeom>
+          <a:solidFill>
+            <a:schemeClr val="bg2">
+              <a:lumMod val="75000"/>
+            </a:schemeClr>
+          </a:solidFill>
+          <a:ln>
+            <a:solidFill>
+              <a:schemeClr val="tx1"/>
+            </a:solidFill>
+          </a:ln>
+        </p:spPr>
+        <p:style>
+          <a:lnRef idx="1">
+            <a:schemeClr val="accent1"/>
+          </a:lnRef>
+          <a:fillRef idx="3">
+            <a:schemeClr val="accent1"/>
+          </a:fillRef>
+          <a:effectRef idx="2">
+            <a:schemeClr val="accent1"/>
+          </a:effectRef>
+          <a:fontRef idx="minor">
+            <a:schemeClr val="lt1"/>
+          </a:fontRef>
+        </p:style>
+        <p:txBody>
+          <a:bodyPr rtlCol="0" anchor="ctr"/>
+          <a:lstStyle/>
+          <a:p>
+            <a:pPr algn="ctr"/>
+            <a:r>
+              <a:rPr lang="en-US" dirty="0" smtClean="0">
+                <a:solidFill>
+                  <a:schemeClr val="tx1"/>
+                </a:solidFill>
+              </a:rPr>
+              <a:t>Trump</a:t>
+            </a:r>
+            <a:endParaRPr lang="en-US" dirty="0">
+              <a:solidFill>
+                <a:schemeClr val="tx1"/>
+              </a:solidFill>
+            </a:endParaRPr>
+          </a:p>
+        </p:txBody>
+      </p:sp>
+      <p:sp>
+        <p:nvSpPr>
+          <p:cNvPr id="52" name="Snip Diagonal Corner Rectangle 51"/>
+          <p:cNvSpPr/>
+          <p:nvPr/>
+        </p:nvSpPr>
+        <p:spPr>
+          <a:xfrm>
+            <a:off x="6469128" y="2753380"/>
+            <a:ext cx="1059132" cy="708042"/>
+          </a:xfrm>
+          <a:prstGeom prst="snip2DiagRect">
+            <a:avLst/>
+          </a:prstGeom>
+          <a:solidFill>
+            <a:schemeClr val="bg2">
+              <a:lumMod val="75000"/>
+            </a:schemeClr>
+          </a:solidFill>
+          <a:ln>
+            <a:solidFill>
+              <a:schemeClr val="tx1"/>
+            </a:solidFill>
+          </a:ln>
+        </p:spPr>
+        <p:style>
+          <a:lnRef idx="1">
+            <a:schemeClr val="accent1"/>
+          </a:lnRef>
+          <a:fillRef idx="3">
+            <a:schemeClr val="accent1"/>
+          </a:fillRef>
+          <a:effectRef idx="2">
+            <a:schemeClr val="accent1"/>
+          </a:effectRef>
+          <a:fontRef idx="minor">
+            <a:schemeClr val="lt1"/>
+          </a:fontRef>
+        </p:style>
+        <p:txBody>
+          <a:bodyPr rtlCol="0" anchor="ctr"/>
+          <a:lstStyle/>
+          <a:p>
+            <a:pPr algn="ctr"/>
+            <a:r>
+              <a:rPr lang="en-US" dirty="0" smtClean="0">
+                <a:solidFill>
+                  <a:schemeClr val="tx1"/>
+                </a:solidFill>
+              </a:rPr>
+              <a:t>Player</a:t>
+            </a:r>
+            <a:endParaRPr lang="en-US" dirty="0">
+              <a:solidFill>
+                <a:schemeClr val="tx1"/>
+              </a:solidFill>
+            </a:endParaRPr>
+          </a:p>
+        </p:txBody>
+      </p:sp>
+      <p:cxnSp>
+        <p:nvCxnSpPr>
+          <p:cNvPr id="54" name="Straight Arrow Connector 53"/>
+          <p:cNvCxnSpPr>
+            <a:stCxn id="4" idx="1"/>
+            <a:endCxn id="51" idx="3"/>
+          </p:cNvCxnSpPr>
+          <p:nvPr/>
+        </p:nvCxnSpPr>
+        <p:spPr>
+          <a:xfrm>
+            <a:off x="4678428" y="1922911"/>
+            <a:ext cx="362434" cy="779959"/>
+          </a:xfrm>
+          <a:prstGeom prst="straightConnector1">
+            <a:avLst/>
+          </a:prstGeom>
+          <a:ln>
+            <a:tailEnd type="triangle"/>
+          </a:ln>
+        </p:spPr>
+        <p:style>
+          <a:lnRef idx="1">
+            <a:schemeClr val="accent1"/>
+          </a:lnRef>
+          <a:fillRef idx="0">
+            <a:schemeClr val="accent1"/>
+          </a:fillRef>
+          <a:effectRef idx="0">
+            <a:schemeClr val="accent1"/>
+          </a:effectRef>
+          <a:fontRef idx="minor">
+            <a:schemeClr val="tx1"/>
+          </a:fontRef>
+        </p:style>
+      </p:cxnSp>
+      <p:cxnSp>
+        <p:nvCxnSpPr>
+          <p:cNvPr id="56" name="Straight Arrow Connector 55"/>
+          <p:cNvCxnSpPr>
+            <a:stCxn id="4" idx="1"/>
+            <a:endCxn id="52" idx="3"/>
+          </p:cNvCxnSpPr>
+          <p:nvPr/>
+        </p:nvCxnSpPr>
+        <p:spPr>
+          <a:xfrm>
+            <a:off x="4678428" y="1922911"/>
+            <a:ext cx="2320266" cy="830469"/>
+          </a:xfrm>
+          <a:prstGeom prst="straightConnector1">
+            <a:avLst/>
+          </a:prstGeom>
+          <a:ln>
+            <a:tailEnd type="triangle"/>
+          </a:ln>
+        </p:spPr>
+        <p:style>
+          <a:lnRef idx="1">
+            <a:schemeClr val="accent1"/>
+          </a:lnRef>
+          <a:fillRef idx="0">
+            <a:schemeClr val="accent1"/>
+          </a:fillRef>
+          <a:effectRef idx="0">
+            <a:schemeClr val="accent1"/>
+          </a:effectRef>
+          <a:fontRef idx="minor">
+            <a:schemeClr val="tx1"/>
+          </a:fontRef>
+        </p:style>
+      </p:cxnSp>
+    </p:spTree>
+    <p:extLst>
+      <p:ext uri="{BB962C8B-B14F-4D97-AF65-F5344CB8AC3E}">
+        <p14:creationId xmlns:p14="http://schemas.microsoft.com/office/powerpoint/2010/main" val="577529778"/>
       </p:ext>
     </p:extLst>
   </p:cSld>
